--- a/PACE-UP Next-Steps Web App.pptx
+++ b/PACE-UP Next-Steps Web App.pptx
@@ -16,10 +16,11 @@
     <p:sldId id="264" r:id="rId10"/>
     <p:sldId id="265" r:id="rId11"/>
     <p:sldId id="266" r:id="rId12"/>
-    <p:sldId id="267" r:id="rId13"/>
-    <p:sldId id="268" r:id="rId14"/>
-    <p:sldId id="269" r:id="rId15"/>
-    <p:sldId id="270" r:id="rId16"/>
+    <p:sldId id="271" r:id="rId13"/>
+    <p:sldId id="267" r:id="rId14"/>
+    <p:sldId id="268" r:id="rId15"/>
+    <p:sldId id="269" r:id="rId16"/>
+    <p:sldId id="270" r:id="rId17"/>
   </p:sldIdLst>
   <p:sldSz cx="9144000" cy="6858000" type="screen4x3"/>
   <p:notesSz cx="6858000" cy="9144000"/>
@@ -118,6 +119,22 @@
       </a:defRPr>
     </a:lvl9pPr>
   </p:defaultTextStyle>
+  <p:extLst>
+    <p:ext uri="{EFAFB233-063F-42B5-8137-9DF3F51BA10A}">
+      <p15:sldGuideLst xmlns:p15="http://schemas.microsoft.com/office/powerpoint/2012/main">
+        <p15:guide id="1" orient="horz" pos="2160">
+          <p15:clr>
+            <a:srgbClr val="A4A3A4"/>
+          </p15:clr>
+        </p15:guide>
+        <p15:guide id="2" pos="2880">
+          <p15:clr>
+            <a:srgbClr val="A4A3A4"/>
+          </p15:clr>
+        </p15:guide>
+      </p15:sldGuideLst>
+    </p:ext>
+  </p:extLst>
 </p:presentation>
 </file>
 
@@ -3193,32 +3210,62 @@
         </p:nvSpPr>
         <p:spPr/>
         <p:txBody>
-          <a:bodyPr/>
-          <a:lstStyle/>
-          <a:p>
-            <a:endParaRPr lang="en-GB"/>
-          </a:p>
-        </p:txBody>
-      </p:sp>
-      <p:sp>
-        <p:nvSpPr>
-          <p:cNvPr id="3" name="Content Placeholder 2"/>
-          <p:cNvSpPr>
-            <a:spLocks noGrp="1"/>
-          </p:cNvSpPr>
+          <a:bodyPr>
+            <a:normAutofit/>
+          </a:bodyPr>
+          <a:lstStyle/>
+          <a:p>
+            <a:r>
+              <a:rPr lang="en-GB" dirty="0" smtClean="0"/>
+              <a:t>Mobile – Login screen</a:t>
+            </a:r>
+            <a:endParaRPr lang="en-GB" dirty="0"/>
+          </a:p>
+        </p:txBody>
+      </p:sp>
+      <p:pic>
+        <p:nvPicPr>
+          <p:cNvPr id="1026" name="Picture 2" descr="https://lh3.googleusercontent.com/j2byLaPK3xJqlF6mrjDtSqqjz4OK1JJ0TiyqobHZuKvCBkWyU4X2xUJr0YK6CQ1RxTt6YcKX7jyrIcWoCKOMGvz8EYEuMIV4d61hnJ160_CJn_hBZuvM1lhYvAfWRSYWSnstibr5"/>
+          <p:cNvPicPr>
+            <a:picLocks noGrp="1" noChangeAspect="1" noChangeArrowheads="1"/>
+          </p:cNvPicPr>
           <p:nvPr>
             <p:ph idx="1"/>
           </p:nvPr>
-        </p:nvSpPr>
-        <p:spPr/>
-        <p:txBody>
-          <a:bodyPr/>
-          <a:lstStyle/>
-          <a:p>
-            <a:endParaRPr lang="en-GB"/>
-          </a:p>
-        </p:txBody>
-      </p:sp>
+        </p:nvPicPr>
+        <p:blipFill>
+          <a:blip r:embed="rId2" cstate="print">
+            <a:extLst>
+              <a:ext uri="{28A0092B-C50C-407E-A947-70E740481C1C}">
+                <a14:useLocalDpi xmlns:a14="http://schemas.microsoft.com/office/drawing/2010/main" val="0"/>
+              </a:ext>
+            </a:extLst>
+          </a:blip>
+          <a:srcRect/>
+          <a:stretch>
+            <a:fillRect/>
+          </a:stretch>
+        </p:blipFill>
+        <p:spPr bwMode="auto">
+          <a:xfrm>
+            <a:off x="3299073" y="1600200"/>
+            <a:ext cx="2545854" cy="4525963"/>
+          </a:xfrm>
+          <a:prstGeom prst="rect">
+            <a:avLst/>
+          </a:prstGeom>
+          <a:noFill/>
+          <a:extLst>
+            <a:ext uri="{909E8E84-426E-40DD-AFC4-6F175D3DCCD1}">
+              <a14:hiddenFill xmlns:a14="http://schemas.microsoft.com/office/drawing/2010/main">
+                <a:solidFill>
+                  <a:srgbClr val="FFFFFF"/>
+                </a:solidFill>
+              </a14:hiddenFill>
+            </a:ext>
+          </a:extLst>
+        </p:spPr>
+      </p:pic>
     </p:spTree>
     <p:extLst>
       <p:ext uri="{BB962C8B-B14F-4D97-AF65-F5344CB8AC3E}">
@@ -3271,29 +3318,100 @@
           <a:bodyPr/>
           <a:lstStyle/>
           <a:p>
-            <a:endParaRPr lang="en-GB"/>
-          </a:p>
-        </p:txBody>
-      </p:sp>
-      <p:sp>
-        <p:nvSpPr>
-          <p:cNvPr id="3" name="Content Placeholder 2"/>
-          <p:cNvSpPr>
-            <a:spLocks noGrp="1"/>
-          </p:cNvSpPr>
-          <p:nvPr>
-            <p:ph idx="1"/>
-          </p:nvPr>
-        </p:nvSpPr>
-        <p:spPr/>
-        <p:txBody>
-          <a:bodyPr/>
-          <a:lstStyle/>
-          <a:p>
-            <a:endParaRPr lang="en-GB"/>
-          </a:p>
-        </p:txBody>
-      </p:sp>
+            <a:r>
+              <a:rPr lang="en-GB" dirty="0" smtClean="0"/>
+              <a:t>Mobile – control panel</a:t>
+            </a:r>
+            <a:endParaRPr lang="en-GB" dirty="0"/>
+          </a:p>
+        </p:txBody>
+      </p:sp>
+      <p:pic>
+        <p:nvPicPr>
+          <p:cNvPr id="2056" name="Picture 8" descr="https://lh4.googleusercontent.com/SSZ0XZYiqU7fqWNEWCVWSMSFINWuVZlGcf9TlhFT2JE-IMMFlkyO7YO6yI3BqfYqZsmpY6xyYMX48HcDWMYNi0KMwPBy30jS8AVIiJ2G3ZSK1nAZwlY5S7E0-f5kq5zKCXiGP4oi"/>
+          <p:cNvPicPr>
+            <a:picLocks noGrp="1" noChangeAspect="1" noChangeArrowheads="1"/>
+          </p:cNvPicPr>
+          <p:nvPr>
+            <p:ph sz="half" idx="2"/>
+          </p:nvPr>
+        </p:nvPicPr>
+        <p:blipFill>
+          <a:blip r:embed="rId2" cstate="print">
+            <a:extLst>
+              <a:ext uri="{28A0092B-C50C-407E-A947-70E740481C1C}">
+                <a14:useLocalDpi xmlns:a14="http://schemas.microsoft.com/office/drawing/2010/main" val="0"/>
+              </a:ext>
+            </a:extLst>
+          </a:blip>
+          <a:srcRect/>
+          <a:stretch>
+            <a:fillRect/>
+          </a:stretch>
+        </p:blipFill>
+        <p:spPr bwMode="auto">
+          <a:xfrm>
+            <a:off x="5394573" y="1600200"/>
+            <a:ext cx="2545854" cy="4525963"/>
+          </a:xfrm>
+          <a:prstGeom prst="rect">
+            <a:avLst/>
+          </a:prstGeom>
+          <a:noFill/>
+          <a:extLst>
+            <a:ext uri="{909E8E84-426E-40DD-AFC4-6F175D3DCCD1}">
+              <a14:hiddenFill xmlns:a14="http://schemas.microsoft.com/office/drawing/2010/main">
+                <a:solidFill>
+                  <a:srgbClr val="FFFFFF"/>
+                </a:solidFill>
+              </a14:hiddenFill>
+            </a:ext>
+          </a:extLst>
+        </p:spPr>
+      </p:pic>
+      <p:pic>
+        <p:nvPicPr>
+          <p:cNvPr id="2058" name="Picture 10" descr="https://lh5.googleusercontent.com/qD_teIGECZQ5qauyFIApvckyPZrmQ76XSMK-m1jgtZAcznmTi320NrdeGEd-pkdEZA3WR3BEo8VIIcZ1dyjbVaZMMuroiOhbA4R6-XjY6AmhSKVw2OfJwL6a5yHwPM-zdHF2QDRh"/>
+          <p:cNvPicPr>
+            <a:picLocks noGrp="1" noChangeAspect="1" noChangeArrowheads="1"/>
+          </p:cNvPicPr>
+          <p:nvPr>
+            <p:ph sz="half" idx="1"/>
+          </p:nvPr>
+        </p:nvPicPr>
+        <p:blipFill>
+          <a:blip r:embed="rId3" cstate="print">
+            <a:extLst>
+              <a:ext uri="{28A0092B-C50C-407E-A947-70E740481C1C}">
+                <a14:useLocalDpi xmlns:a14="http://schemas.microsoft.com/office/drawing/2010/main" val="0"/>
+              </a:ext>
+            </a:extLst>
+          </a:blip>
+          <a:srcRect/>
+          <a:stretch>
+            <a:fillRect/>
+          </a:stretch>
+        </p:blipFill>
+        <p:spPr bwMode="auto">
+          <a:xfrm>
+            <a:off x="1203573" y="1600200"/>
+            <a:ext cx="2545854" cy="4525963"/>
+          </a:xfrm>
+          <a:prstGeom prst="rect">
+            <a:avLst/>
+          </a:prstGeom>
+          <a:noFill/>
+          <a:extLst>
+            <a:ext uri="{909E8E84-426E-40DD-AFC4-6F175D3DCCD1}">
+              <a14:hiddenFill xmlns:a14="http://schemas.microsoft.com/office/drawing/2010/main">
+                <a:solidFill>
+                  <a:srgbClr val="FFFFFF"/>
+                </a:solidFill>
+              </a14:hiddenFill>
+            </a:ext>
+          </a:extLst>
+        </p:spPr>
+      </p:pic>
     </p:spTree>
     <p:extLst>
       <p:ext uri="{BB962C8B-B14F-4D97-AF65-F5344CB8AC3E}">
@@ -3315,6 +3433,93 @@
 </file>
 
 <file path=ppt/slides/slide12.xml><?xml version="1.0" encoding="utf-8"?>
+<p:sld xmlns:a="http://schemas.openxmlformats.org/drawingml/2006/main" xmlns:r="http://schemas.openxmlformats.org/officeDocument/2006/relationships" xmlns:p="http://schemas.openxmlformats.org/presentationml/2006/main">
+  <p:cSld>
+    <p:spTree>
+      <p:nvGrpSpPr>
+        <p:cNvPr id="1" name=""/>
+        <p:cNvGrpSpPr/>
+        <p:nvPr/>
+      </p:nvGrpSpPr>
+      <p:grpSpPr>
+        <a:xfrm>
+          <a:off x="0" y="0"/>
+          <a:ext cx="0" cy="0"/>
+          <a:chOff x="0" y="0"/>
+          <a:chExt cx="0" cy="0"/>
+        </a:xfrm>
+      </p:grpSpPr>
+      <p:sp>
+        <p:nvSpPr>
+          <p:cNvPr id="2" name="Title 1"/>
+          <p:cNvSpPr>
+            <a:spLocks noGrp="1"/>
+          </p:cNvSpPr>
+          <p:nvPr>
+            <p:ph type="title"/>
+          </p:nvPr>
+        </p:nvSpPr>
+        <p:spPr/>
+        <p:txBody>
+          <a:bodyPr/>
+          <a:lstStyle/>
+          <a:p>
+            <a:endParaRPr lang="en-GB"/>
+          </a:p>
+        </p:txBody>
+      </p:sp>
+      <p:sp>
+        <p:nvSpPr>
+          <p:cNvPr id="3" name="Content Placeholder 2"/>
+          <p:cNvSpPr>
+            <a:spLocks noGrp="1"/>
+          </p:cNvSpPr>
+          <p:nvPr>
+            <p:ph sz="half" idx="1"/>
+          </p:nvPr>
+        </p:nvSpPr>
+        <p:spPr/>
+        <p:txBody>
+          <a:bodyPr/>
+          <a:lstStyle/>
+          <a:p>
+            <a:endParaRPr lang="en-GB"/>
+          </a:p>
+        </p:txBody>
+      </p:sp>
+      <p:sp>
+        <p:nvSpPr>
+          <p:cNvPr id="4" name="Content Placeholder 3"/>
+          <p:cNvSpPr>
+            <a:spLocks noGrp="1"/>
+          </p:cNvSpPr>
+          <p:nvPr>
+            <p:ph sz="half" idx="2"/>
+          </p:nvPr>
+        </p:nvSpPr>
+        <p:spPr/>
+        <p:txBody>
+          <a:bodyPr/>
+          <a:lstStyle/>
+          <a:p>
+            <a:endParaRPr lang="en-GB" dirty="0"/>
+          </a:p>
+        </p:txBody>
+      </p:sp>
+    </p:spTree>
+    <p:extLst>
+      <p:ext uri="{BB962C8B-B14F-4D97-AF65-F5344CB8AC3E}">
+        <p14:creationId xmlns:p14="http://schemas.microsoft.com/office/powerpoint/2010/main" val="910761998"/>
+      </p:ext>
+    </p:extLst>
+  </p:cSld>
+  <p:clrMapOvr>
+    <a:masterClrMapping/>
+  </p:clrMapOvr>
+</p:sld>
+</file>
+
+<file path=ppt/slides/slide13.xml><?xml version="1.0" encoding="utf-8"?>
 <p:sld xmlns:a="http://schemas.openxmlformats.org/drawingml/2006/main" xmlns:r="http://schemas.openxmlformats.org/officeDocument/2006/relationships" xmlns:p="http://schemas.openxmlformats.org/presentationml/2006/main">
   <p:cSld>
     <p:spTree>
@@ -3428,7 +3633,7 @@
 </p:sld>
 </file>
 
-<file path=ppt/slides/slide13.xml><?xml version="1.0" encoding="utf-8"?>
+<file path=ppt/slides/slide14.xml><?xml version="1.0" encoding="utf-8"?>
 <p:sld xmlns:a="http://schemas.openxmlformats.org/drawingml/2006/main" xmlns:r="http://schemas.openxmlformats.org/officeDocument/2006/relationships" xmlns:p="http://schemas.openxmlformats.org/presentationml/2006/main">
   <p:cSld>
     <p:spTree>
@@ -3544,7 +3749,7 @@
 </p:sld>
 </file>
 
-<file path=ppt/slides/slide14.xml><?xml version="1.0" encoding="utf-8"?>
+<file path=ppt/slides/slide15.xml><?xml version="1.0" encoding="utf-8"?>
 <p:sld xmlns:a="http://schemas.openxmlformats.org/drawingml/2006/main" xmlns:r="http://schemas.openxmlformats.org/officeDocument/2006/relationships" xmlns:p="http://schemas.openxmlformats.org/presentationml/2006/main">
   <p:cSld>
     <p:spTree>
@@ -3663,7 +3868,7 @@
 </p:sld>
 </file>
 
-<file path=ppt/slides/slide15.xml><?xml version="1.0" encoding="utf-8"?>
+<file path=ppt/slides/slide16.xml><?xml version="1.0" encoding="utf-8"?>
 <p:sld xmlns:a="http://schemas.openxmlformats.org/drawingml/2006/main" xmlns:r="http://schemas.openxmlformats.org/officeDocument/2006/relationships" xmlns:p="http://schemas.openxmlformats.org/presentationml/2006/main">
   <p:cSld>
     <p:spTree>
